--- a/demog_figs.pptx
+++ b/demog_figs.pptx
@@ -8,6 +8,7 @@
     <p:sldId id="256" r:id="rId2"/>
     <p:sldId id="591" r:id="rId3"/>
     <p:sldId id="592" r:id="rId4"/>
+    <p:sldId id="593" r:id="rId5"/>
   </p:sldIdLst>
   <p:sldSz cx="12192000" cy="6858000"/>
   <p:notesSz cx="6858000" cy="9144000"/>
@@ -112,7 +113,7 @@
 <file path=ppt/revisionInfo.xml><?xml version="1.0" encoding="utf-8"?>
 <p1510:revInfo xmlns:a="http://schemas.openxmlformats.org/drawingml/2006/main" xmlns:r="http://schemas.openxmlformats.org/officeDocument/2006/relationships" xmlns:p1510="http://schemas.microsoft.com/office/powerpoint/2015/10/main">
   <p1510:revLst>
-    <p1510:client id="{7DEDFC17-F430-426B-ADAC-C14B10CCE98D}" v="13" dt="2021-11-02T09:21:03.206"/>
+    <p1510:client id="{7DEDFC17-F430-426B-ADAC-C14B10CCE98D}" v="67" dt="2021-11-03T01:47:29.056"/>
   </p1510:revLst>
 </p1510:revInfo>
 </file>
@@ -121,8 +122,8 @@
 <pc:chgInfo xmlns:a="http://schemas.openxmlformats.org/drawingml/2006/main" xmlns:r="http://schemas.openxmlformats.org/officeDocument/2006/relationships" xmlns:ac="http://schemas.microsoft.com/office/drawing/2013/main/command" xmlns:pc="http://schemas.microsoft.com/office/powerpoint/2013/main/command">
   <pc:docChgLst>
     <pc:chgData name="Christopher Bird" userId="bc755951-c795-4bc4-88fb-751a86e11e79" providerId="ADAL" clId="{7DEDFC17-F430-426B-ADAC-C14B10CCE98D}"/>
-    <pc:docChg chg="custSel modSld">
-      <pc:chgData name="Christopher Bird" userId="bc755951-c795-4bc4-88fb-751a86e11e79" providerId="ADAL" clId="{7DEDFC17-F430-426B-ADAC-C14B10CCE98D}" dt="2021-11-02T10:04:51.107" v="61" actId="478"/>
+    <pc:docChg chg="custSel addSld modSld">
+      <pc:chgData name="Christopher Bird" userId="bc755951-c795-4bc4-88fb-751a86e11e79" providerId="ADAL" clId="{7DEDFC17-F430-426B-ADAC-C14B10CCE98D}" dt="2021-11-03T01:47:47.528" v="188" actId="20577"/>
       <pc:docMkLst>
         <pc:docMk/>
       </pc:docMkLst>
@@ -312,6 +313,165 @@
           <ac:cxnSpMkLst>
             <pc:docMk/>
             <pc:sldMk cId="4264924012" sldId="592"/>
+            <ac:cxnSpMk id="29" creationId="{51557490-654F-4926-9C66-72864E5237DE}"/>
+          </ac:cxnSpMkLst>
+        </pc:cxnChg>
+      </pc:sldChg>
+      <pc:sldChg chg="addSp delSp modSp add mod">
+        <pc:chgData name="Christopher Bird" userId="bc755951-c795-4bc4-88fb-751a86e11e79" providerId="ADAL" clId="{7DEDFC17-F430-426B-ADAC-C14B10CCE98D}" dt="2021-11-03T01:47:47.528" v="188" actId="20577"/>
+        <pc:sldMkLst>
+          <pc:docMk/>
+          <pc:sldMk cId="2332459694" sldId="593"/>
+        </pc:sldMkLst>
+        <pc:spChg chg="mod">
+          <ac:chgData name="Christopher Bird" userId="bc755951-c795-4bc4-88fb-751a86e11e79" providerId="ADAL" clId="{7DEDFC17-F430-426B-ADAC-C14B10CCE98D}" dt="2021-11-03T01:05:35.136" v="149" actId="1076"/>
+          <ac:spMkLst>
+            <pc:docMk/>
+            <pc:sldMk cId="2332459694" sldId="593"/>
+            <ac:spMk id="2" creationId="{103AE729-61BC-4EFD-98B5-F0B07AB6C6C8}"/>
+          </ac:spMkLst>
+        </pc:spChg>
+        <pc:spChg chg="mod">
+          <ac:chgData name="Christopher Bird" userId="bc755951-c795-4bc4-88fb-751a86e11e79" providerId="ADAL" clId="{7DEDFC17-F430-426B-ADAC-C14B10CCE98D}" dt="2021-11-03T01:06:20.789" v="164" actId="1038"/>
+          <ac:spMkLst>
+            <pc:docMk/>
+            <pc:sldMk cId="2332459694" sldId="593"/>
+            <ac:spMk id="5" creationId="{5DD68AE1-7386-4324-98DF-748F58C6B9F5}"/>
+          </ac:spMkLst>
+        </pc:spChg>
+        <pc:spChg chg="mod">
+          <ac:chgData name="Christopher Bird" userId="bc755951-c795-4bc4-88fb-751a86e11e79" providerId="ADAL" clId="{7DEDFC17-F430-426B-ADAC-C14B10CCE98D}" dt="2021-11-03T01:05:42.495" v="152" actId="1076"/>
+          <ac:spMkLst>
+            <pc:docMk/>
+            <pc:sldMk cId="2332459694" sldId="593"/>
+            <ac:spMk id="6" creationId="{6A729B24-1F80-42AB-B246-101515D9E656}"/>
+          </ac:spMkLst>
+        </pc:spChg>
+        <pc:spChg chg="add mod">
+          <ac:chgData name="Christopher Bird" userId="bc755951-c795-4bc4-88fb-751a86e11e79" providerId="ADAL" clId="{7DEDFC17-F430-426B-ADAC-C14B10CCE98D}" dt="2021-11-03T01:47:47.528" v="188" actId="20577"/>
+          <ac:spMkLst>
+            <pc:docMk/>
+            <pc:sldMk cId="2332459694" sldId="593"/>
+            <ac:spMk id="8" creationId="{B9F4D227-4B54-4DAF-BA53-F4B24342112E}"/>
+          </ac:spMkLst>
+        </pc:spChg>
+        <pc:spChg chg="mod">
+          <ac:chgData name="Christopher Bird" userId="bc755951-c795-4bc4-88fb-751a86e11e79" providerId="ADAL" clId="{7DEDFC17-F430-426B-ADAC-C14B10CCE98D}" dt="2021-11-03T01:05:46.271" v="153" actId="1076"/>
+          <ac:spMkLst>
+            <pc:docMk/>
+            <pc:sldMk cId="2332459694" sldId="593"/>
+            <ac:spMk id="19" creationId="{512F469E-757E-41F3-9805-8E1ED5C18E4B}"/>
+          </ac:spMkLst>
+        </pc:spChg>
+        <pc:spChg chg="mod">
+          <ac:chgData name="Christopher Bird" userId="bc755951-c795-4bc4-88fb-751a86e11e79" providerId="ADAL" clId="{7DEDFC17-F430-426B-ADAC-C14B10CCE98D}" dt="2021-11-03T01:05:56.985" v="155" actId="1076"/>
+          <ac:spMkLst>
+            <pc:docMk/>
+            <pc:sldMk cId="2332459694" sldId="593"/>
+            <ac:spMk id="21" creationId="{E1F3338A-7B2E-4447-BC15-0ED9732BC5AA}"/>
+          </ac:spMkLst>
+        </pc:spChg>
+        <pc:spChg chg="mod">
+          <ac:chgData name="Christopher Bird" userId="bc755951-c795-4bc4-88fb-751a86e11e79" providerId="ADAL" clId="{7DEDFC17-F430-426B-ADAC-C14B10CCE98D}" dt="2021-11-03T01:06:00.383" v="156" actId="1076"/>
+          <ac:spMkLst>
+            <pc:docMk/>
+            <pc:sldMk cId="2332459694" sldId="593"/>
+            <ac:spMk id="22" creationId="{4CC96E08-685C-4679-B43F-4D33446987A4}"/>
+          </ac:spMkLst>
+        </pc:spChg>
+        <pc:spChg chg="mod">
+          <ac:chgData name="Christopher Bird" userId="bc755951-c795-4bc4-88fb-751a86e11e79" providerId="ADAL" clId="{7DEDFC17-F430-426B-ADAC-C14B10CCE98D}" dt="2021-11-03T01:06:32.640" v="166" actId="1076"/>
+          <ac:spMkLst>
+            <pc:docMk/>
+            <pc:sldMk cId="2332459694" sldId="593"/>
+            <ac:spMk id="23" creationId="{AA698D22-DEBD-4D36-8F3C-C7FD0B6C058C}"/>
+          </ac:spMkLst>
+        </pc:spChg>
+        <pc:spChg chg="mod">
+          <ac:chgData name="Christopher Bird" userId="bc755951-c795-4bc4-88fb-751a86e11e79" providerId="ADAL" clId="{7DEDFC17-F430-426B-ADAC-C14B10CCE98D}" dt="2021-11-03T01:06:29.183" v="165" actId="1076"/>
+          <ac:spMkLst>
+            <pc:docMk/>
+            <pc:sldMk cId="2332459694" sldId="593"/>
+            <ac:spMk id="25" creationId="{B392F7ED-D728-43DD-9B77-94431DCB34DE}"/>
+          </ac:spMkLst>
+        </pc:spChg>
+        <pc:spChg chg="mod">
+          <ac:chgData name="Christopher Bird" userId="bc755951-c795-4bc4-88fb-751a86e11e79" providerId="ADAL" clId="{7DEDFC17-F430-426B-ADAC-C14B10CCE98D}" dt="2021-11-03T01:06:12.696" v="157" actId="1076"/>
+          <ac:spMkLst>
+            <pc:docMk/>
+            <pc:sldMk cId="2332459694" sldId="593"/>
+            <ac:spMk id="31" creationId="{FC60D852-65EB-4F9B-9CB8-E838C2A58442}"/>
+          </ac:spMkLst>
+        </pc:spChg>
+        <pc:spChg chg="mod">
+          <ac:chgData name="Christopher Bird" userId="bc755951-c795-4bc4-88fb-751a86e11e79" providerId="ADAL" clId="{7DEDFC17-F430-426B-ADAC-C14B10CCE98D}" dt="2021-11-03T01:06:12.696" v="157" actId="1076"/>
+          <ac:spMkLst>
+            <pc:docMk/>
+            <pc:sldMk cId="2332459694" sldId="593"/>
+            <ac:spMk id="32" creationId="{7B063590-78F9-40A0-B7F1-00FB8AEA4A70}"/>
+          </ac:spMkLst>
+        </pc:spChg>
+        <pc:cxnChg chg="mod">
+          <ac:chgData name="Christopher Bird" userId="bc755951-c795-4bc4-88fb-751a86e11e79" providerId="ADAL" clId="{7DEDFC17-F430-426B-ADAC-C14B10CCE98D}" dt="2021-11-03T01:04:28.972" v="138" actId="1076"/>
+          <ac:cxnSpMkLst>
+            <pc:docMk/>
+            <pc:sldMk cId="2332459694" sldId="593"/>
+            <ac:cxnSpMk id="4" creationId="{C97F0F79-9F1A-45FF-B7A2-2A16EB095D03}"/>
+          </ac:cxnSpMkLst>
+        </pc:cxnChg>
+        <pc:cxnChg chg="del">
+          <ac:chgData name="Christopher Bird" userId="bc755951-c795-4bc4-88fb-751a86e11e79" providerId="ADAL" clId="{7DEDFC17-F430-426B-ADAC-C14B10CCE98D}" dt="2021-11-03T01:05:01.251" v="142" actId="478"/>
+          <ac:cxnSpMkLst>
+            <pc:docMk/>
+            <pc:sldMk cId="2332459694" sldId="593"/>
+            <ac:cxnSpMk id="10" creationId="{E1885558-28B8-4F23-83EB-B36E95AB837E}"/>
+          </ac:cxnSpMkLst>
+        </pc:cxnChg>
+        <pc:cxnChg chg="del">
+          <ac:chgData name="Christopher Bird" userId="bc755951-c795-4bc4-88fb-751a86e11e79" providerId="ADAL" clId="{7DEDFC17-F430-426B-ADAC-C14B10CCE98D}" dt="2021-11-03T01:05:02.964" v="143" actId="478"/>
+          <ac:cxnSpMkLst>
+            <pc:docMk/>
+            <pc:sldMk cId="2332459694" sldId="593"/>
+            <ac:cxnSpMk id="12" creationId="{DC266E11-90BF-4111-A81F-CFE20C16261C}"/>
+          </ac:cxnSpMkLst>
+        </pc:cxnChg>
+        <pc:cxnChg chg="mod">
+          <ac:chgData name="Christopher Bird" userId="bc755951-c795-4bc4-88fb-751a86e11e79" providerId="ADAL" clId="{7DEDFC17-F430-426B-ADAC-C14B10CCE98D}" dt="2021-11-03T01:05:48.393" v="154" actId="1076"/>
+          <ac:cxnSpMkLst>
+            <pc:docMk/>
+            <pc:sldMk cId="2332459694" sldId="593"/>
+            <ac:cxnSpMk id="14" creationId="{B36D74A8-5720-4014-98A5-0353B10F600B}"/>
+          </ac:cxnSpMkLst>
+        </pc:cxnChg>
+        <pc:cxnChg chg="mod">
+          <ac:chgData name="Christopher Bird" userId="bc755951-c795-4bc4-88fb-751a86e11e79" providerId="ADAL" clId="{7DEDFC17-F430-426B-ADAC-C14B10CCE98D}" dt="2021-11-03T01:03:54.598" v="134" actId="14100"/>
+          <ac:cxnSpMkLst>
+            <pc:docMk/>
+            <pc:sldMk cId="2332459694" sldId="593"/>
+            <ac:cxnSpMk id="16" creationId="{BD7AF26E-9671-44E5-8394-924ED5F960DB}"/>
+          </ac:cxnSpMkLst>
+        </pc:cxnChg>
+        <pc:cxnChg chg="mod">
+          <ac:chgData name="Christopher Bird" userId="bc755951-c795-4bc4-88fb-751a86e11e79" providerId="ADAL" clId="{7DEDFC17-F430-426B-ADAC-C14B10CCE98D}" dt="2021-11-03T01:06:38.280" v="167" actId="1076"/>
+          <ac:cxnSpMkLst>
+            <pc:docMk/>
+            <pc:sldMk cId="2332459694" sldId="593"/>
+            <ac:cxnSpMk id="18" creationId="{EDA9E0FF-EFCA-4A12-833D-D9132F87F0DB}"/>
+          </ac:cxnSpMkLst>
+        </pc:cxnChg>
+        <pc:cxnChg chg="mod">
+          <ac:chgData name="Christopher Bird" userId="bc755951-c795-4bc4-88fb-751a86e11e79" providerId="ADAL" clId="{7DEDFC17-F430-426B-ADAC-C14B10CCE98D}" dt="2021-11-03T01:06:12.696" v="157" actId="1076"/>
+          <ac:cxnSpMkLst>
+            <pc:docMk/>
+            <pc:sldMk cId="2332459694" sldId="593"/>
+            <ac:cxnSpMk id="28" creationId="{0C336D0B-75EA-4419-A43B-A299B4E6FE36}"/>
+          </ac:cxnSpMkLst>
+        </pc:cxnChg>
+        <pc:cxnChg chg="mod">
+          <ac:chgData name="Christopher Bird" userId="bc755951-c795-4bc4-88fb-751a86e11e79" providerId="ADAL" clId="{7DEDFC17-F430-426B-ADAC-C14B10CCE98D}" dt="2021-11-03T01:06:12.696" v="157" actId="1076"/>
+          <ac:cxnSpMkLst>
+            <pc:docMk/>
+            <pc:sldMk cId="2332459694" sldId="593"/>
             <ac:cxnSpMk id="29" creationId="{51557490-654F-4926-9C66-72864E5237DE}"/>
           </ac:cxnSpMkLst>
         </pc:cxnChg>
@@ -6221,6 +6381,1313 @@
     <p:extLst>
       <p:ext uri="{BB962C8B-B14F-4D97-AF65-F5344CB8AC3E}">
         <p14:creationId xmlns:p14="http://schemas.microsoft.com/office/powerpoint/2010/main" val="4264924012"/>
+      </p:ext>
+    </p:extLst>
+  </p:cSld>
+  <p:clrMapOvr>
+    <a:masterClrMapping/>
+  </p:clrMapOvr>
+  <p:timing>
+    <p:tnLst>
+      <p:par>
+        <p:cTn id="1" dur="indefinite" restart="never" nodeType="tmRoot">
+          <p:childTnLst>
+            <p:seq concurrent="1" nextAc="seek">
+              <p:cTn id="2" dur="indefinite" nodeType="mainSeq">
+                <p:childTnLst>
+                  <p:par>
+                    <p:cTn id="3" fill="hold">
+                      <p:stCondLst>
+                        <p:cond delay="indefinite"/>
+                      </p:stCondLst>
+                      <p:childTnLst>
+                        <p:par>
+                          <p:cTn id="4" fill="hold">
+                            <p:stCondLst>
+                              <p:cond delay="0"/>
+                            </p:stCondLst>
+                            <p:childTnLst>
+                              <p:par>
+                                <p:cTn id="5" presetID="1" presetClass="entr" presetSubtype="0" fill="hold" grpId="0" nodeType="clickEffect">
+                                  <p:stCondLst>
+                                    <p:cond delay="0"/>
+                                  </p:stCondLst>
+                                  <p:childTnLst>
+                                    <p:set>
+                                      <p:cBhvr>
+                                        <p:cTn id="6" dur="1" fill="hold">
+                                          <p:stCondLst>
+                                            <p:cond delay="0"/>
+                                          </p:stCondLst>
+                                        </p:cTn>
+                                        <p:tgtEl>
+                                          <p:spTgt spid="23"/>
+                                        </p:tgtEl>
+                                        <p:attrNameLst>
+                                          <p:attrName>style.visibility</p:attrName>
+                                        </p:attrNameLst>
+                                      </p:cBhvr>
+                                      <p:to>
+                                        <p:strVal val="visible"/>
+                                      </p:to>
+                                    </p:set>
+                                  </p:childTnLst>
+                                </p:cTn>
+                              </p:par>
+                              <p:par>
+                                <p:cTn id="7" presetID="1" presetClass="entr" presetSubtype="0" fill="hold" nodeType="withEffect">
+                                  <p:stCondLst>
+                                    <p:cond delay="0"/>
+                                  </p:stCondLst>
+                                  <p:childTnLst>
+                                    <p:set>
+                                      <p:cBhvr>
+                                        <p:cTn id="8" dur="1" fill="hold">
+                                          <p:stCondLst>
+                                            <p:cond delay="0"/>
+                                          </p:stCondLst>
+                                        </p:cTn>
+                                        <p:tgtEl>
+                                          <p:spTgt spid="16"/>
+                                        </p:tgtEl>
+                                        <p:attrNameLst>
+                                          <p:attrName>style.visibility</p:attrName>
+                                        </p:attrNameLst>
+                                      </p:cBhvr>
+                                      <p:to>
+                                        <p:strVal val="visible"/>
+                                      </p:to>
+                                    </p:set>
+                                  </p:childTnLst>
+                                </p:cTn>
+                              </p:par>
+                              <p:par>
+                                <p:cTn id="9" presetID="1" presetClass="entr" presetSubtype="0" fill="hold" nodeType="withEffect">
+                                  <p:stCondLst>
+                                    <p:cond delay="0"/>
+                                  </p:stCondLst>
+                                  <p:childTnLst>
+                                    <p:set>
+                                      <p:cBhvr>
+                                        <p:cTn id="10" dur="1" fill="hold">
+                                          <p:stCondLst>
+                                            <p:cond delay="0"/>
+                                          </p:stCondLst>
+                                        </p:cTn>
+                                        <p:tgtEl>
+                                          <p:spTgt spid="4"/>
+                                        </p:tgtEl>
+                                        <p:attrNameLst>
+                                          <p:attrName>style.visibility</p:attrName>
+                                        </p:attrNameLst>
+                                      </p:cBhvr>
+                                      <p:to>
+                                        <p:strVal val="visible"/>
+                                      </p:to>
+                                    </p:set>
+                                  </p:childTnLst>
+                                </p:cTn>
+                              </p:par>
+                            </p:childTnLst>
+                          </p:cTn>
+                        </p:par>
+                      </p:childTnLst>
+                    </p:cTn>
+                  </p:par>
+                  <p:par>
+                    <p:cTn id="11" fill="hold">
+                      <p:stCondLst>
+                        <p:cond delay="indefinite"/>
+                      </p:stCondLst>
+                      <p:childTnLst>
+                        <p:par>
+                          <p:cTn id="12" fill="hold">
+                            <p:stCondLst>
+                              <p:cond delay="0"/>
+                            </p:stCondLst>
+                            <p:childTnLst>
+                              <p:par>
+                                <p:cTn id="13" presetID="1" presetClass="entr" presetSubtype="0" fill="hold" nodeType="clickEffect">
+                                  <p:stCondLst>
+                                    <p:cond delay="0"/>
+                                  </p:stCondLst>
+                                  <p:childTnLst>
+                                    <p:set>
+                                      <p:cBhvr>
+                                        <p:cTn id="14" dur="1" fill="hold">
+                                          <p:stCondLst>
+                                            <p:cond delay="0"/>
+                                          </p:stCondLst>
+                                        </p:cTn>
+                                        <p:tgtEl>
+                                          <p:spTgt spid="18"/>
+                                        </p:tgtEl>
+                                        <p:attrNameLst>
+                                          <p:attrName>style.visibility</p:attrName>
+                                        </p:attrNameLst>
+                                      </p:cBhvr>
+                                      <p:to>
+                                        <p:strVal val="visible"/>
+                                      </p:to>
+                                    </p:set>
+                                  </p:childTnLst>
+                                </p:cTn>
+                              </p:par>
+                              <p:par>
+                                <p:cTn id="15" presetID="1" presetClass="entr" presetSubtype="0" fill="hold" grpId="0" nodeType="withEffect">
+                                  <p:stCondLst>
+                                    <p:cond delay="0"/>
+                                  </p:stCondLst>
+                                  <p:childTnLst>
+                                    <p:set>
+                                      <p:cBhvr>
+                                        <p:cTn id="16" dur="1" fill="hold">
+                                          <p:stCondLst>
+                                            <p:cond delay="0"/>
+                                          </p:stCondLst>
+                                        </p:cTn>
+                                        <p:tgtEl>
+                                          <p:spTgt spid="25"/>
+                                        </p:tgtEl>
+                                        <p:attrNameLst>
+                                          <p:attrName>style.visibility</p:attrName>
+                                        </p:attrNameLst>
+                                      </p:cBhvr>
+                                      <p:to>
+                                        <p:strVal val="visible"/>
+                                      </p:to>
+                                    </p:set>
+                                  </p:childTnLst>
+                                </p:cTn>
+                              </p:par>
+                            </p:childTnLst>
+                          </p:cTn>
+                        </p:par>
+                      </p:childTnLst>
+                    </p:cTn>
+                  </p:par>
+                  <p:par>
+                    <p:cTn id="17" fill="hold">
+                      <p:stCondLst>
+                        <p:cond delay="indefinite"/>
+                      </p:stCondLst>
+                      <p:childTnLst>
+                        <p:par>
+                          <p:cTn id="18" fill="hold">
+                            <p:stCondLst>
+                              <p:cond delay="0"/>
+                            </p:stCondLst>
+                            <p:childTnLst>
+                              <p:par>
+                                <p:cTn id="19" presetID="1" presetClass="entr" presetSubtype="0" fill="hold" grpId="0" nodeType="clickEffect">
+                                  <p:stCondLst>
+                                    <p:cond delay="0"/>
+                                  </p:stCondLst>
+                                  <p:childTnLst>
+                                    <p:set>
+                                      <p:cBhvr>
+                                        <p:cTn id="20" dur="1" fill="hold">
+                                          <p:stCondLst>
+                                            <p:cond delay="0"/>
+                                          </p:stCondLst>
+                                        </p:cTn>
+                                        <p:tgtEl>
+                                          <p:spTgt spid="32"/>
+                                        </p:tgtEl>
+                                        <p:attrNameLst>
+                                          <p:attrName>style.visibility</p:attrName>
+                                        </p:attrNameLst>
+                                      </p:cBhvr>
+                                      <p:to>
+                                        <p:strVal val="visible"/>
+                                      </p:to>
+                                    </p:set>
+                                  </p:childTnLst>
+                                </p:cTn>
+                              </p:par>
+                              <p:par>
+                                <p:cTn id="21" presetID="1" presetClass="entr" presetSubtype="0" fill="hold" nodeType="withEffect">
+                                  <p:stCondLst>
+                                    <p:cond delay="0"/>
+                                  </p:stCondLst>
+                                  <p:childTnLst>
+                                    <p:set>
+                                      <p:cBhvr>
+                                        <p:cTn id="22" dur="1" fill="hold">
+                                          <p:stCondLst>
+                                            <p:cond delay="0"/>
+                                          </p:stCondLst>
+                                        </p:cTn>
+                                        <p:tgtEl>
+                                          <p:spTgt spid="29"/>
+                                        </p:tgtEl>
+                                        <p:attrNameLst>
+                                          <p:attrName>style.visibility</p:attrName>
+                                        </p:attrNameLst>
+                                      </p:cBhvr>
+                                      <p:to>
+                                        <p:strVal val="visible"/>
+                                      </p:to>
+                                    </p:set>
+                                  </p:childTnLst>
+                                </p:cTn>
+                              </p:par>
+                              <p:par>
+                                <p:cTn id="23" presetID="1" presetClass="entr" presetSubtype="0" fill="hold" nodeType="withEffect">
+                                  <p:stCondLst>
+                                    <p:cond delay="0"/>
+                                  </p:stCondLst>
+                                  <p:childTnLst>
+                                    <p:set>
+                                      <p:cBhvr>
+                                        <p:cTn id="24" dur="1" fill="hold">
+                                          <p:stCondLst>
+                                            <p:cond delay="0"/>
+                                          </p:stCondLst>
+                                        </p:cTn>
+                                        <p:tgtEl>
+                                          <p:spTgt spid="28"/>
+                                        </p:tgtEl>
+                                        <p:attrNameLst>
+                                          <p:attrName>style.visibility</p:attrName>
+                                        </p:attrNameLst>
+                                      </p:cBhvr>
+                                      <p:to>
+                                        <p:strVal val="visible"/>
+                                      </p:to>
+                                    </p:set>
+                                  </p:childTnLst>
+                                </p:cTn>
+                              </p:par>
+                              <p:par>
+                                <p:cTn id="25" presetID="1" presetClass="entr" presetSubtype="0" fill="hold" grpId="0" nodeType="withEffect">
+                                  <p:stCondLst>
+                                    <p:cond delay="0"/>
+                                  </p:stCondLst>
+                                  <p:childTnLst>
+                                    <p:set>
+                                      <p:cBhvr>
+                                        <p:cTn id="26" dur="1" fill="hold">
+                                          <p:stCondLst>
+                                            <p:cond delay="0"/>
+                                          </p:stCondLst>
+                                        </p:cTn>
+                                        <p:tgtEl>
+                                          <p:spTgt spid="31"/>
+                                        </p:tgtEl>
+                                        <p:attrNameLst>
+                                          <p:attrName>style.visibility</p:attrName>
+                                        </p:attrNameLst>
+                                      </p:cBhvr>
+                                      <p:to>
+                                        <p:strVal val="visible"/>
+                                      </p:to>
+                                    </p:set>
+                                  </p:childTnLst>
+                                </p:cTn>
+                              </p:par>
+                            </p:childTnLst>
+                          </p:cTn>
+                        </p:par>
+                      </p:childTnLst>
+                    </p:cTn>
+                  </p:par>
+                </p:childTnLst>
+              </p:cTn>
+              <p:prevCondLst>
+                <p:cond evt="onPrev" delay="0">
+                  <p:tgtEl>
+                    <p:sldTgt/>
+                  </p:tgtEl>
+                </p:cond>
+              </p:prevCondLst>
+              <p:nextCondLst>
+                <p:cond evt="onNext" delay="0">
+                  <p:tgtEl>
+                    <p:sldTgt/>
+                  </p:tgtEl>
+                </p:cond>
+              </p:nextCondLst>
+            </p:seq>
+          </p:childTnLst>
+        </p:cTn>
+      </p:par>
+    </p:tnLst>
+    <p:bldLst>
+      <p:bldP spid="23" grpId="0"/>
+      <p:bldP spid="25" grpId="0"/>
+      <p:bldP spid="31" grpId="0"/>
+      <p:bldP spid="32" grpId="0"/>
+    </p:bldLst>
+  </p:timing>
+</p:sld>
+</file>
+
+<file path=ppt/slides/slide4.xml><?xml version="1.0" encoding="utf-8"?>
+<p:sld xmlns:a="http://schemas.openxmlformats.org/drawingml/2006/main" xmlns:r="http://schemas.openxmlformats.org/officeDocument/2006/relationships" xmlns:p="http://schemas.openxmlformats.org/presentationml/2006/main">
+  <p:cSld>
+    <p:spTree>
+      <p:nvGrpSpPr>
+        <p:cNvPr id="1" name=""/>
+        <p:cNvGrpSpPr/>
+        <p:nvPr/>
+      </p:nvGrpSpPr>
+      <p:grpSpPr>
+        <a:xfrm>
+          <a:off x="0" y="0"/>
+          <a:ext cx="0" cy="0"/>
+          <a:chOff x="0" y="0"/>
+          <a:chExt cx="0" cy="0"/>
+        </a:xfrm>
+      </p:grpSpPr>
+      <p:sp>
+        <p:nvSpPr>
+          <p:cNvPr id="7" name="Title 6">
+            <a:extLst>
+              <a:ext uri="{FF2B5EF4-FFF2-40B4-BE49-F238E27FC236}">
+                <a16:creationId xmlns:a16="http://schemas.microsoft.com/office/drawing/2014/main" id="{BB0D19AA-0D2C-462F-8742-71C12AE3D56D}"/>
+              </a:ext>
+            </a:extLst>
+          </p:cNvPr>
+          <p:cNvSpPr>
+            <a:spLocks noGrp="1"/>
+          </p:cNvSpPr>
+          <p:nvPr>
+            <p:ph type="title"/>
+          </p:nvPr>
+        </p:nvSpPr>
+        <p:spPr/>
+        <p:txBody>
+          <a:bodyPr/>
+          <a:lstStyle/>
+          <a:p>
+            <a:r>
+              <a:rPr lang="en-US" dirty="0"/>
+              <a:t>Most Likely Historical Demographic Model</a:t>
+            </a:r>
+          </a:p>
+        </p:txBody>
+      </p:sp>
+      <p:sp>
+        <p:nvSpPr>
+          <p:cNvPr id="2" name="Rectangle 1">
+            <a:extLst>
+              <a:ext uri="{FF2B5EF4-FFF2-40B4-BE49-F238E27FC236}">
+                <a16:creationId xmlns:a16="http://schemas.microsoft.com/office/drawing/2014/main" id="{103AE729-61BC-4EFD-98B5-F0B07AB6C6C8}"/>
+              </a:ext>
+            </a:extLst>
+          </p:cNvPr>
+          <p:cNvSpPr/>
+          <p:nvPr/>
+        </p:nvSpPr>
+        <p:spPr>
+          <a:xfrm>
+            <a:off x="1183562" y="4825850"/>
+            <a:ext cx="1728132" cy="914400"/>
+          </a:xfrm>
+          <a:prstGeom prst="rect">
+            <a:avLst/>
+          </a:prstGeom>
+          <a:solidFill>
+            <a:schemeClr val="bg1">
+              <a:lumMod val="75000"/>
+            </a:schemeClr>
+          </a:solidFill>
+          <a:ln>
+            <a:noFill/>
+          </a:ln>
+        </p:spPr>
+        <p:style>
+          <a:lnRef idx="2">
+            <a:schemeClr val="accent1">
+              <a:shade val="50000"/>
+            </a:schemeClr>
+          </a:lnRef>
+          <a:fillRef idx="1">
+            <a:schemeClr val="accent1"/>
+          </a:fillRef>
+          <a:effectRef idx="0">
+            <a:schemeClr val="accent1"/>
+          </a:effectRef>
+          <a:fontRef idx="minor">
+            <a:schemeClr val="lt1"/>
+          </a:fontRef>
+        </p:style>
+        <p:txBody>
+          <a:bodyPr rtlCol="0" anchor="ctr"/>
+          <a:lstStyle/>
+          <a:p>
+            <a:pPr algn="ctr"/>
+            <a:endParaRPr lang="en-US" dirty="0"/>
+          </a:p>
+        </p:txBody>
+      </p:sp>
+      <p:sp>
+        <p:nvSpPr>
+          <p:cNvPr id="5" name="Rectangle 4">
+            <a:extLst>
+              <a:ext uri="{FF2B5EF4-FFF2-40B4-BE49-F238E27FC236}">
+                <a16:creationId xmlns:a16="http://schemas.microsoft.com/office/drawing/2014/main" id="{5DD68AE1-7386-4324-98DF-748F58C6B9F5}"/>
+              </a:ext>
+            </a:extLst>
+          </p:cNvPr>
+          <p:cNvSpPr/>
+          <p:nvPr/>
+        </p:nvSpPr>
+        <p:spPr>
+          <a:xfrm>
+            <a:off x="2903657" y="2274640"/>
+            <a:ext cx="6295938" cy="2616141"/>
+          </a:xfrm>
+          <a:prstGeom prst="rect">
+            <a:avLst/>
+          </a:prstGeom>
+          <a:solidFill>
+            <a:schemeClr val="accent1">
+              <a:lumMod val="60000"/>
+              <a:lumOff val="40000"/>
+            </a:schemeClr>
+          </a:solidFill>
+          <a:ln>
+            <a:noFill/>
+          </a:ln>
+        </p:spPr>
+        <p:style>
+          <a:lnRef idx="2">
+            <a:schemeClr val="accent1">
+              <a:shade val="50000"/>
+            </a:schemeClr>
+          </a:lnRef>
+          <a:fillRef idx="1">
+            <a:schemeClr val="accent1"/>
+          </a:fillRef>
+          <a:effectRef idx="0">
+            <a:schemeClr val="accent1"/>
+          </a:effectRef>
+          <a:fontRef idx="minor">
+            <a:schemeClr val="lt1"/>
+          </a:fontRef>
+        </p:style>
+        <p:txBody>
+          <a:bodyPr rtlCol="0" anchor="ctr"/>
+          <a:lstStyle/>
+          <a:p>
+            <a:pPr algn="ctr"/>
+            <a:r>
+              <a:rPr lang="en-US" sz="3600" b="1" dirty="0" err="1"/>
+              <a:t>Hau</a:t>
+            </a:r>
+            <a:endParaRPr lang="en-US" sz="3600" b="1" dirty="0"/>
+          </a:p>
+        </p:txBody>
+      </p:sp>
+      <p:sp>
+        <p:nvSpPr>
+          <p:cNvPr id="6" name="Rectangle 5">
+            <a:extLst>
+              <a:ext uri="{FF2B5EF4-FFF2-40B4-BE49-F238E27FC236}">
+                <a16:creationId xmlns:a16="http://schemas.microsoft.com/office/drawing/2014/main" id="{6A729B24-1F80-42AB-B246-101515D9E656}"/>
+              </a:ext>
+            </a:extLst>
+          </p:cNvPr>
+          <p:cNvSpPr/>
+          <p:nvPr/>
+        </p:nvSpPr>
+        <p:spPr>
+          <a:xfrm>
+            <a:off x="2911694" y="5411775"/>
+            <a:ext cx="6295938" cy="1231977"/>
+          </a:xfrm>
+          <a:prstGeom prst="rect">
+            <a:avLst/>
+          </a:prstGeom>
+          <a:solidFill>
+            <a:srgbClr val="0070C0"/>
+          </a:solidFill>
+          <a:ln>
+            <a:noFill/>
+          </a:ln>
+        </p:spPr>
+        <p:style>
+          <a:lnRef idx="2">
+            <a:schemeClr val="accent1">
+              <a:shade val="50000"/>
+            </a:schemeClr>
+          </a:lnRef>
+          <a:fillRef idx="1">
+            <a:schemeClr val="accent1"/>
+          </a:fillRef>
+          <a:effectRef idx="0">
+            <a:schemeClr val="accent1"/>
+          </a:effectRef>
+          <a:fontRef idx="minor">
+            <a:schemeClr val="lt1"/>
+          </a:fontRef>
+        </p:style>
+        <p:txBody>
+          <a:bodyPr rtlCol="0" anchor="ctr"/>
+          <a:lstStyle/>
+          <a:p>
+            <a:pPr algn="ctr"/>
+            <a:r>
+              <a:rPr lang="en-US" sz="3200" b="1" dirty="0"/>
+              <a:t>Tien</a:t>
+            </a:r>
+          </a:p>
+        </p:txBody>
+      </p:sp>
+      <p:cxnSp>
+        <p:nvCxnSpPr>
+          <p:cNvPr id="4" name="Straight Connector 3">
+            <a:extLst>
+              <a:ext uri="{FF2B5EF4-FFF2-40B4-BE49-F238E27FC236}">
+                <a16:creationId xmlns:a16="http://schemas.microsoft.com/office/drawing/2014/main" id="{C97F0F79-9F1A-45FF-B7A2-2A16EB095D03}"/>
+              </a:ext>
+            </a:extLst>
+          </p:cNvPr>
+          <p:cNvCxnSpPr>
+            <a:cxnSpLocks/>
+          </p:cNvCxnSpPr>
+          <p:nvPr/>
+        </p:nvCxnSpPr>
+        <p:spPr>
+          <a:xfrm>
+            <a:off x="9120470" y="2092556"/>
+            <a:ext cx="0" cy="4501742"/>
+          </a:xfrm>
+          <a:prstGeom prst="line">
+            <a:avLst/>
+          </a:prstGeom>
+          <a:ln w="57150">
+            <a:solidFill>
+              <a:schemeClr val="tx1"/>
+            </a:solidFill>
+            <a:prstDash val="lgDash"/>
+          </a:ln>
+        </p:spPr>
+        <p:style>
+          <a:lnRef idx="1">
+            <a:schemeClr val="accent1"/>
+          </a:lnRef>
+          <a:fillRef idx="0">
+            <a:schemeClr val="accent1"/>
+          </a:fillRef>
+          <a:effectRef idx="0">
+            <a:schemeClr val="accent1"/>
+          </a:effectRef>
+          <a:fontRef idx="minor">
+            <a:schemeClr val="tx1"/>
+          </a:fontRef>
+        </p:style>
+      </p:cxnSp>
+      <p:cxnSp>
+        <p:nvCxnSpPr>
+          <p:cNvPr id="14" name="Straight Arrow Connector 13">
+            <a:extLst>
+              <a:ext uri="{FF2B5EF4-FFF2-40B4-BE49-F238E27FC236}">
+                <a16:creationId xmlns:a16="http://schemas.microsoft.com/office/drawing/2014/main" id="{B36D74A8-5720-4014-98A5-0353B10F600B}"/>
+              </a:ext>
+            </a:extLst>
+          </p:cNvPr>
+          <p:cNvCxnSpPr>
+            <a:cxnSpLocks/>
+          </p:cNvCxnSpPr>
+          <p:nvPr/>
+        </p:nvCxnSpPr>
+        <p:spPr>
+          <a:xfrm>
+            <a:off x="2161335" y="4830289"/>
+            <a:ext cx="0" cy="914400"/>
+          </a:xfrm>
+          <a:prstGeom prst="straightConnector1">
+            <a:avLst/>
+          </a:prstGeom>
+          <a:ln w="57150">
+            <a:solidFill>
+              <a:schemeClr val="tx1"/>
+            </a:solidFill>
+            <a:headEnd type="triangle"/>
+            <a:tailEnd type="triangle"/>
+          </a:ln>
+        </p:spPr>
+        <p:style>
+          <a:lnRef idx="1">
+            <a:schemeClr val="accent1"/>
+          </a:lnRef>
+          <a:fillRef idx="0">
+            <a:schemeClr val="accent1"/>
+          </a:fillRef>
+          <a:effectRef idx="0">
+            <a:schemeClr val="accent1"/>
+          </a:effectRef>
+          <a:fontRef idx="minor">
+            <a:schemeClr val="tx1"/>
+          </a:fontRef>
+        </p:style>
+      </p:cxnSp>
+      <p:cxnSp>
+        <p:nvCxnSpPr>
+          <p:cNvPr id="16" name="Straight Arrow Connector 15">
+            <a:extLst>
+              <a:ext uri="{FF2B5EF4-FFF2-40B4-BE49-F238E27FC236}">
+                <a16:creationId xmlns:a16="http://schemas.microsoft.com/office/drawing/2014/main" id="{BD7AF26E-9671-44E5-8394-924ED5F960DB}"/>
+              </a:ext>
+            </a:extLst>
+          </p:cNvPr>
+          <p:cNvCxnSpPr>
+            <a:cxnSpLocks/>
+          </p:cNvCxnSpPr>
+          <p:nvPr/>
+        </p:nvCxnSpPr>
+        <p:spPr>
+          <a:xfrm flipH="1">
+            <a:off x="2911694" y="2142010"/>
+            <a:ext cx="6208776" cy="0"/>
+          </a:xfrm>
+          <a:prstGeom prst="straightConnector1">
+            <a:avLst/>
+          </a:prstGeom>
+          <a:ln w="57150">
+            <a:solidFill>
+              <a:schemeClr val="tx1"/>
+            </a:solidFill>
+            <a:headEnd type="triangle"/>
+            <a:tailEnd type="triangle"/>
+          </a:ln>
+        </p:spPr>
+        <p:style>
+          <a:lnRef idx="1">
+            <a:schemeClr val="accent1"/>
+          </a:lnRef>
+          <a:fillRef idx="0">
+            <a:schemeClr val="accent1"/>
+          </a:fillRef>
+          <a:effectRef idx="0">
+            <a:schemeClr val="accent1"/>
+          </a:effectRef>
+          <a:fontRef idx="minor">
+            <a:schemeClr val="tx1"/>
+          </a:fontRef>
+        </p:style>
+      </p:cxnSp>
+      <p:cxnSp>
+        <p:nvCxnSpPr>
+          <p:cNvPr id="18" name="Straight Arrow Connector 17">
+            <a:extLst>
+              <a:ext uri="{FF2B5EF4-FFF2-40B4-BE49-F238E27FC236}">
+                <a16:creationId xmlns:a16="http://schemas.microsoft.com/office/drawing/2014/main" id="{EDA9E0FF-EFCA-4A12-833D-D9132F87F0DB}"/>
+              </a:ext>
+            </a:extLst>
+          </p:cNvPr>
+          <p:cNvCxnSpPr>
+            <a:cxnSpLocks/>
+          </p:cNvCxnSpPr>
+          <p:nvPr/>
+        </p:nvCxnSpPr>
+        <p:spPr>
+          <a:xfrm flipH="1">
+            <a:off x="9173276" y="2142010"/>
+            <a:ext cx="390113" cy="0"/>
+          </a:xfrm>
+          <a:prstGeom prst="straightConnector1">
+            <a:avLst/>
+          </a:prstGeom>
+          <a:ln w="57150">
+            <a:solidFill>
+              <a:schemeClr val="tx1"/>
+            </a:solidFill>
+            <a:headEnd type="triangle"/>
+            <a:tailEnd type="triangle"/>
+          </a:ln>
+        </p:spPr>
+        <p:style>
+          <a:lnRef idx="1">
+            <a:schemeClr val="accent1"/>
+          </a:lnRef>
+          <a:fillRef idx="0">
+            <a:schemeClr val="accent1"/>
+          </a:fillRef>
+          <a:effectRef idx="0">
+            <a:schemeClr val="accent1"/>
+          </a:effectRef>
+          <a:fontRef idx="minor">
+            <a:schemeClr val="tx1"/>
+          </a:fontRef>
+        </p:style>
+      </p:cxnSp>
+      <p:sp>
+        <p:nvSpPr>
+          <p:cNvPr id="19" name="TextBox 18">
+            <a:extLst>
+              <a:ext uri="{FF2B5EF4-FFF2-40B4-BE49-F238E27FC236}">
+                <a16:creationId xmlns:a16="http://schemas.microsoft.com/office/drawing/2014/main" id="{512F469E-757E-41F3-9805-8E1ED5C18E4B}"/>
+              </a:ext>
+            </a:extLst>
+          </p:cNvPr>
+          <p:cNvSpPr txBox="1"/>
+          <p:nvPr/>
+        </p:nvSpPr>
+        <p:spPr>
+          <a:xfrm>
+            <a:off x="1293071" y="4890781"/>
+            <a:ext cx="583814" cy="646331"/>
+          </a:xfrm>
+          <a:prstGeom prst="rect">
+            <a:avLst/>
+          </a:prstGeom>
+          <a:noFill/>
+        </p:spPr>
+        <p:txBody>
+          <a:bodyPr wrap="none" rtlCol="0">
+            <a:spAutoFit/>
+          </a:bodyPr>
+          <a:lstStyle/>
+          <a:p>
+            <a:r>
+              <a:rPr lang="en-US" sz="3600" b="1" i="1" dirty="0"/>
+              <a:t>n</a:t>
+            </a:r>
+            <a:r>
+              <a:rPr lang="en-US" sz="3600" b="1" baseline="-25000" dirty="0"/>
+              <a:t>0</a:t>
+            </a:r>
+          </a:p>
+        </p:txBody>
+      </p:sp>
+      <p:sp>
+        <p:nvSpPr>
+          <p:cNvPr id="21" name="TextBox 20">
+            <a:extLst>
+              <a:ext uri="{FF2B5EF4-FFF2-40B4-BE49-F238E27FC236}">
+                <a16:creationId xmlns:a16="http://schemas.microsoft.com/office/drawing/2014/main" id="{E1F3338A-7B2E-4447-BC15-0ED9732BC5AA}"/>
+              </a:ext>
+            </a:extLst>
+          </p:cNvPr>
+          <p:cNvSpPr txBox="1"/>
+          <p:nvPr/>
+        </p:nvSpPr>
+        <p:spPr>
+          <a:xfrm>
+            <a:off x="3139109" y="5672929"/>
+            <a:ext cx="1976823" cy="646331"/>
+          </a:xfrm>
+          <a:prstGeom prst="rect">
+            <a:avLst/>
+          </a:prstGeom>
+          <a:noFill/>
+        </p:spPr>
+        <p:txBody>
+          <a:bodyPr wrap="none" rtlCol="0">
+            <a:spAutoFit/>
+          </a:bodyPr>
+          <a:lstStyle/>
+          <a:p>
+            <a:r>
+              <a:rPr lang="en-US" sz="3600" b="1" i="1" dirty="0"/>
+              <a:t>n</a:t>
+            </a:r>
+            <a:r>
+              <a:rPr lang="en-US" sz="3600" b="1" baseline="-25000" dirty="0"/>
+              <a:t>2 </a:t>
+            </a:r>
+            <a:r>
+              <a:rPr lang="en-US" sz="3600" b="1" dirty="0"/>
+              <a:t>= 1.6</a:t>
+            </a:r>
+            <a:r>
+              <a:rPr lang="en-US" sz="3600" b="1" i="1" dirty="0"/>
+              <a:t>n</a:t>
+            </a:r>
+            <a:r>
+              <a:rPr lang="en-US" sz="3600" b="1" baseline="-25000" dirty="0"/>
+              <a:t>0</a:t>
+            </a:r>
+          </a:p>
+        </p:txBody>
+      </p:sp>
+      <p:sp>
+        <p:nvSpPr>
+          <p:cNvPr id="22" name="TextBox 21">
+            <a:extLst>
+              <a:ext uri="{FF2B5EF4-FFF2-40B4-BE49-F238E27FC236}">
+                <a16:creationId xmlns:a16="http://schemas.microsoft.com/office/drawing/2014/main" id="{4CC96E08-685C-4679-B43F-4D33446987A4}"/>
+              </a:ext>
+            </a:extLst>
+          </p:cNvPr>
+          <p:cNvSpPr txBox="1"/>
+          <p:nvPr/>
+        </p:nvSpPr>
+        <p:spPr>
+          <a:xfrm>
+            <a:off x="2971839" y="3825817"/>
+            <a:ext cx="1976823" cy="646331"/>
+          </a:xfrm>
+          <a:prstGeom prst="rect">
+            <a:avLst/>
+          </a:prstGeom>
+          <a:noFill/>
+        </p:spPr>
+        <p:txBody>
+          <a:bodyPr wrap="none" rtlCol="0">
+            <a:spAutoFit/>
+          </a:bodyPr>
+          <a:lstStyle/>
+          <a:p>
+            <a:r>
+              <a:rPr lang="en-US" sz="3600" b="1" i="1" dirty="0"/>
+              <a:t>n</a:t>
+            </a:r>
+            <a:r>
+              <a:rPr lang="en-US" sz="3600" b="1" baseline="-25000" dirty="0"/>
+              <a:t>1 </a:t>
+            </a:r>
+            <a:r>
+              <a:rPr lang="en-US" sz="3600" b="1" dirty="0"/>
+              <a:t>= 5.8</a:t>
+            </a:r>
+            <a:r>
+              <a:rPr lang="en-US" sz="3600" b="1" i="1" dirty="0"/>
+              <a:t>n</a:t>
+            </a:r>
+            <a:r>
+              <a:rPr lang="en-US" sz="3600" b="1" baseline="-25000" dirty="0"/>
+              <a:t>0</a:t>
+            </a:r>
+          </a:p>
+        </p:txBody>
+      </p:sp>
+      <p:sp>
+        <p:nvSpPr>
+          <p:cNvPr id="23" name="TextBox 22">
+            <a:extLst>
+              <a:ext uri="{FF2B5EF4-FFF2-40B4-BE49-F238E27FC236}">
+                <a16:creationId xmlns:a16="http://schemas.microsoft.com/office/drawing/2014/main" id="{AA698D22-DEBD-4D36-8F3C-C7FD0B6C058C}"/>
+              </a:ext>
+            </a:extLst>
+          </p:cNvPr>
+          <p:cNvSpPr txBox="1"/>
+          <p:nvPr/>
+        </p:nvSpPr>
+        <p:spPr>
+          <a:xfrm>
+            <a:off x="6198918" y="1370439"/>
+            <a:ext cx="2441694" cy="646331"/>
+          </a:xfrm>
+          <a:prstGeom prst="rect">
+            <a:avLst/>
+          </a:prstGeom>
+          <a:noFill/>
+        </p:spPr>
+        <p:txBody>
+          <a:bodyPr wrap="none" rtlCol="0">
+            <a:spAutoFit/>
+          </a:bodyPr>
+          <a:lstStyle/>
+          <a:p>
+            <a:r>
+              <a:rPr lang="en-US" sz="3600" b="1" i="1" dirty="0" err="1"/>
+              <a:t>t</a:t>
+            </a:r>
+            <a:r>
+              <a:rPr lang="en-US" sz="3600" b="1" baseline="-25000" dirty="0" err="1"/>
+              <a:t>iso</a:t>
+            </a:r>
+            <a:r>
+              <a:rPr lang="en-US" sz="3600" b="1" baseline="-25000" dirty="0"/>
+              <a:t> </a:t>
+            </a:r>
+            <a:r>
+              <a:rPr lang="en-US" sz="3600" b="1" dirty="0"/>
+              <a:t>= 30*2</a:t>
+            </a:r>
+            <a:r>
+              <a:rPr lang="en-US" sz="3600" b="1" i="1" dirty="0"/>
+              <a:t>n</a:t>
+            </a:r>
+            <a:r>
+              <a:rPr lang="en-US" sz="3600" b="1" baseline="-25000" dirty="0"/>
+              <a:t>0</a:t>
+            </a:r>
+          </a:p>
+        </p:txBody>
+      </p:sp>
+      <p:sp>
+        <p:nvSpPr>
+          <p:cNvPr id="25" name="TextBox 24">
+            <a:extLst>
+              <a:ext uri="{FF2B5EF4-FFF2-40B4-BE49-F238E27FC236}">
+                <a16:creationId xmlns:a16="http://schemas.microsoft.com/office/drawing/2014/main" id="{B392F7ED-D728-43DD-9B77-94431DCB34DE}"/>
+              </a:ext>
+            </a:extLst>
+          </p:cNvPr>
+          <p:cNvSpPr txBox="1"/>
+          <p:nvPr/>
+        </p:nvSpPr>
+        <p:spPr>
+          <a:xfrm>
+            <a:off x="8595152" y="1263525"/>
+            <a:ext cx="3537187" cy="646331"/>
+          </a:xfrm>
+          <a:prstGeom prst="rect">
+            <a:avLst/>
+          </a:prstGeom>
+          <a:noFill/>
+        </p:spPr>
+        <p:txBody>
+          <a:bodyPr wrap="none" rtlCol="0">
+            <a:spAutoFit/>
+          </a:bodyPr>
+          <a:lstStyle/>
+          <a:p>
+            <a:r>
+              <a:rPr lang="en-US" sz="3600" b="1" i="1" dirty="0"/>
+              <a:t>t</a:t>
+            </a:r>
+            <a:r>
+              <a:rPr lang="en-US" sz="3600" b="1" baseline="-25000" dirty="0"/>
+              <a:t>2contact </a:t>
+            </a:r>
+            <a:r>
+              <a:rPr lang="en-US" sz="3600" b="1" dirty="0"/>
+              <a:t>= 0.42*2</a:t>
+            </a:r>
+            <a:r>
+              <a:rPr lang="en-US" sz="3600" b="1" i="1" dirty="0"/>
+              <a:t>n</a:t>
+            </a:r>
+            <a:r>
+              <a:rPr lang="en-US" sz="3600" b="1" baseline="-25000" dirty="0"/>
+              <a:t>0</a:t>
+            </a:r>
+          </a:p>
+        </p:txBody>
+      </p:sp>
+      <p:cxnSp>
+        <p:nvCxnSpPr>
+          <p:cNvPr id="28" name="Straight Arrow Connector 27">
+            <a:extLst>
+              <a:ext uri="{FF2B5EF4-FFF2-40B4-BE49-F238E27FC236}">
+                <a16:creationId xmlns:a16="http://schemas.microsoft.com/office/drawing/2014/main" id="{0C336D0B-75EA-4419-A43B-A299B4E6FE36}"/>
+              </a:ext>
+            </a:extLst>
+          </p:cNvPr>
+          <p:cNvCxnSpPr/>
+          <p:nvPr/>
+        </p:nvCxnSpPr>
+        <p:spPr>
+          <a:xfrm>
+            <a:off x="9268076" y="4844025"/>
+            <a:ext cx="0" cy="608202"/>
+          </a:xfrm>
+          <a:prstGeom prst="straightConnector1">
+            <a:avLst/>
+          </a:prstGeom>
+          <a:ln w="57150">
+            <a:solidFill>
+              <a:schemeClr val="tx1"/>
+            </a:solidFill>
+            <a:tailEnd type="triangle"/>
+          </a:ln>
+        </p:spPr>
+        <p:style>
+          <a:lnRef idx="1">
+            <a:schemeClr val="accent1"/>
+          </a:lnRef>
+          <a:fillRef idx="0">
+            <a:schemeClr val="accent1"/>
+          </a:fillRef>
+          <a:effectRef idx="0">
+            <a:schemeClr val="accent1"/>
+          </a:effectRef>
+          <a:fontRef idx="minor">
+            <a:schemeClr val="tx1"/>
+          </a:fontRef>
+        </p:style>
+      </p:cxnSp>
+      <p:cxnSp>
+        <p:nvCxnSpPr>
+          <p:cNvPr id="29" name="Straight Arrow Connector 28">
+            <a:extLst>
+              <a:ext uri="{FF2B5EF4-FFF2-40B4-BE49-F238E27FC236}">
+                <a16:creationId xmlns:a16="http://schemas.microsoft.com/office/drawing/2014/main" id="{51557490-654F-4926-9C66-72864E5237DE}"/>
+              </a:ext>
+            </a:extLst>
+          </p:cNvPr>
+          <p:cNvCxnSpPr>
+            <a:cxnSpLocks/>
+          </p:cNvCxnSpPr>
+          <p:nvPr/>
+        </p:nvCxnSpPr>
+        <p:spPr>
+          <a:xfrm flipV="1">
+            <a:off x="9451974" y="4798104"/>
+            <a:ext cx="0" cy="600510"/>
+          </a:xfrm>
+          <a:prstGeom prst="straightConnector1">
+            <a:avLst/>
+          </a:prstGeom>
+          <a:ln w="57150">
+            <a:solidFill>
+              <a:schemeClr val="tx1"/>
+            </a:solidFill>
+            <a:tailEnd type="triangle"/>
+          </a:ln>
+        </p:spPr>
+        <p:style>
+          <a:lnRef idx="1">
+            <a:schemeClr val="accent1"/>
+          </a:lnRef>
+          <a:fillRef idx="0">
+            <a:schemeClr val="accent1"/>
+          </a:fillRef>
+          <a:effectRef idx="0">
+            <a:schemeClr val="accent1"/>
+          </a:effectRef>
+          <a:fontRef idx="minor">
+            <a:schemeClr val="tx1"/>
+          </a:fontRef>
+        </p:style>
+      </p:cxnSp>
+      <p:sp>
+        <p:nvSpPr>
+          <p:cNvPr id="31" name="TextBox 30">
+            <a:extLst>
+              <a:ext uri="{FF2B5EF4-FFF2-40B4-BE49-F238E27FC236}">
+                <a16:creationId xmlns:a16="http://schemas.microsoft.com/office/drawing/2014/main" id="{FC60D852-65EB-4F9B-9CB8-E838C2A58442}"/>
+              </a:ext>
+            </a:extLst>
+          </p:cNvPr>
+          <p:cNvSpPr txBox="1"/>
+          <p:nvPr/>
+        </p:nvSpPr>
+        <p:spPr>
+          <a:xfrm>
+            <a:off x="5117357" y="4759612"/>
+            <a:ext cx="4055919" cy="646331"/>
+          </a:xfrm>
+          <a:prstGeom prst="rect">
+            <a:avLst/>
+          </a:prstGeom>
+          <a:noFill/>
+        </p:spPr>
+        <p:txBody>
+          <a:bodyPr wrap="none" rtlCol="0">
+            <a:spAutoFit/>
+          </a:bodyPr>
+          <a:lstStyle/>
+          <a:p>
+            <a:r>
+              <a:rPr lang="en-US" sz="3600" b="1" i="1" dirty="0"/>
+              <a:t>m</a:t>
+            </a:r>
+            <a:r>
+              <a:rPr lang="en-US" sz="3600" b="1" baseline="-25000" dirty="0"/>
+              <a:t>21 </a:t>
+            </a:r>
+            <a:r>
+              <a:rPr lang="en-US" sz="3600" b="1" dirty="0"/>
+              <a:t>= 10.6(2</a:t>
+            </a:r>
+            <a:r>
+              <a:rPr lang="en-US" sz="3600" b="1" i="1" dirty="0"/>
+              <a:t>n</a:t>
+            </a:r>
+            <a:r>
+              <a:rPr lang="en-US" sz="3600" b="1" baseline="-25000" dirty="0"/>
+              <a:t>2</a:t>
+            </a:r>
+            <a:r>
+              <a:rPr lang="en-US" sz="3600" b="1" dirty="0"/>
+              <a:t>/1.6)</a:t>
+            </a:r>
+            <a:r>
+              <a:rPr lang="en-US" sz="3600" b="1" baseline="30000" dirty="0"/>
+              <a:t>-1</a:t>
+            </a:r>
+          </a:p>
+        </p:txBody>
+      </p:sp>
+      <p:sp>
+        <p:nvSpPr>
+          <p:cNvPr id="32" name="TextBox 31">
+            <a:extLst>
+              <a:ext uri="{FF2B5EF4-FFF2-40B4-BE49-F238E27FC236}">
+                <a16:creationId xmlns:a16="http://schemas.microsoft.com/office/drawing/2014/main" id="{7B063590-78F9-40A0-B7F1-00FB8AEA4A70}"/>
+              </a:ext>
+            </a:extLst>
+          </p:cNvPr>
+          <p:cNvSpPr txBox="1"/>
+          <p:nvPr/>
+        </p:nvSpPr>
+        <p:spPr>
+          <a:xfrm>
+            <a:off x="9635872" y="4715990"/>
+            <a:ext cx="3698448" cy="646331"/>
+          </a:xfrm>
+          <a:prstGeom prst="rect">
+            <a:avLst/>
+          </a:prstGeom>
+          <a:noFill/>
+        </p:spPr>
+        <p:txBody>
+          <a:bodyPr wrap="none" rtlCol="0">
+            <a:spAutoFit/>
+          </a:bodyPr>
+          <a:lstStyle/>
+          <a:p>
+            <a:r>
+              <a:rPr lang="en-US" sz="3600" b="1" i="1" dirty="0"/>
+              <a:t>m</a:t>
+            </a:r>
+            <a:r>
+              <a:rPr lang="en-US" sz="3600" b="1" baseline="-25000" dirty="0"/>
+              <a:t>12 </a:t>
+            </a:r>
+            <a:r>
+              <a:rPr lang="en-US" sz="3600" b="1" dirty="0"/>
+              <a:t>= 30(2</a:t>
+            </a:r>
+            <a:r>
+              <a:rPr lang="en-US" sz="3600" b="1" i="1" dirty="0"/>
+              <a:t>n</a:t>
+            </a:r>
+            <a:r>
+              <a:rPr lang="en-US" sz="3600" b="1" baseline="-25000" dirty="0"/>
+              <a:t>1</a:t>
+            </a:r>
+            <a:r>
+              <a:rPr lang="en-US" sz="3600" b="1" dirty="0"/>
+              <a:t>/5.8)</a:t>
+            </a:r>
+            <a:r>
+              <a:rPr lang="en-US" sz="3600" b="1" baseline="30000" dirty="0"/>
+              <a:t>-1</a:t>
+            </a:r>
+            <a:endParaRPr lang="en-US" sz="3600" b="1" baseline="-25000" dirty="0"/>
+          </a:p>
+        </p:txBody>
+      </p:sp>
+      <p:sp>
+        <p:nvSpPr>
+          <p:cNvPr id="33" name="TextBox 32">
+            <a:extLst>
+              <a:ext uri="{FF2B5EF4-FFF2-40B4-BE49-F238E27FC236}">
+                <a16:creationId xmlns:a16="http://schemas.microsoft.com/office/drawing/2014/main" id="{ECA9F263-CDCF-4D7E-8CD1-3D433A59B95B}"/>
+              </a:ext>
+            </a:extLst>
+          </p:cNvPr>
+          <p:cNvSpPr txBox="1"/>
+          <p:nvPr/>
+        </p:nvSpPr>
+        <p:spPr>
+          <a:xfrm>
+            <a:off x="10367077" y="676436"/>
+            <a:ext cx="1824923" cy="646331"/>
+          </a:xfrm>
+          <a:prstGeom prst="rect">
+            <a:avLst/>
+          </a:prstGeom>
+          <a:noFill/>
+        </p:spPr>
+        <p:txBody>
+          <a:bodyPr wrap="none" rtlCol="0">
+            <a:spAutoFit/>
+          </a:bodyPr>
+          <a:lstStyle/>
+          <a:p>
+            <a:r>
+              <a:rPr lang="en-US" dirty="0" err="1">
+                <a:solidFill>
+                  <a:schemeClr val="bg1">
+                    <a:lumMod val="75000"/>
+                  </a:schemeClr>
+                </a:solidFill>
+              </a:rPr>
+              <a:t>Portik</a:t>
+            </a:r>
+            <a:r>
+              <a:rPr lang="en-US" dirty="0">
+                <a:solidFill>
+                  <a:schemeClr val="bg1">
+                    <a:lumMod val="75000"/>
+                  </a:schemeClr>
+                </a:solidFill>
+              </a:rPr>
+              <a:t> et al 2017</a:t>
+            </a:r>
+          </a:p>
+          <a:p>
+            <a:r>
+              <a:rPr lang="en-US" dirty="0" err="1">
+                <a:solidFill>
+                  <a:schemeClr val="bg1">
+                    <a:lumMod val="75000"/>
+                  </a:schemeClr>
+                </a:solidFill>
+              </a:rPr>
+              <a:t>Leache</a:t>
+            </a:r>
+            <a:r>
+              <a:rPr lang="en-US" dirty="0">
+                <a:solidFill>
+                  <a:schemeClr val="bg1">
+                    <a:lumMod val="75000"/>
+                  </a:schemeClr>
+                </a:solidFill>
+              </a:rPr>
+              <a:t> et al 2019</a:t>
+            </a:r>
+          </a:p>
+        </p:txBody>
+      </p:sp>
+      <p:sp>
+        <p:nvSpPr>
+          <p:cNvPr id="8" name="TextBox 7">
+            <a:extLst>
+              <a:ext uri="{FF2B5EF4-FFF2-40B4-BE49-F238E27FC236}">
+                <a16:creationId xmlns:a16="http://schemas.microsoft.com/office/drawing/2014/main" id="{B9F4D227-4B54-4DAF-BA53-F4B24342112E}"/>
+              </a:ext>
+            </a:extLst>
+          </p:cNvPr>
+          <p:cNvSpPr txBox="1"/>
+          <p:nvPr/>
+        </p:nvSpPr>
+        <p:spPr>
+          <a:xfrm>
+            <a:off x="641758" y="1778466"/>
+            <a:ext cx="2304926" cy="369332"/>
+          </a:xfrm>
+          <a:prstGeom prst="rect">
+            <a:avLst/>
+          </a:prstGeom>
+          <a:noFill/>
+        </p:spPr>
+        <p:txBody>
+          <a:bodyPr wrap="none" rtlCol="0">
+            <a:spAutoFit/>
+          </a:bodyPr>
+          <a:lstStyle/>
+          <a:p>
+            <a:r>
+              <a:rPr lang="en-US" dirty="0" err="1"/>
+              <a:t>Bosemania</a:t>
+            </a:r>
+            <a:r>
+              <a:rPr lang="en-US" dirty="0"/>
+              <a:t> </a:t>
+            </a:r>
+            <a:r>
+              <a:rPr lang="en-US" dirty="0" err="1"/>
+              <a:t>microlepus</a:t>
+            </a:r>
+            <a:endParaRPr lang="en-US" dirty="0"/>
+          </a:p>
+        </p:txBody>
+      </p:sp>
+    </p:spTree>
+    <p:extLst>
+      <p:ext uri="{BB962C8B-B14F-4D97-AF65-F5344CB8AC3E}">
+        <p14:creationId xmlns:p14="http://schemas.microsoft.com/office/powerpoint/2010/main" val="2332459694"/>
       </p:ext>
     </p:extLst>
   </p:cSld>
